--- a/Teste Segurança.pptx
+++ b/Teste Segurança.pptx
@@ -273,7 +273,7 @@
           <a:p>
             <a:fld id="{C43A76A3-ADC8-4477-8FC1-B9DD55D84908}" type="datetime1">
               <a:rPr lang="en-US" smtClean="0"/>
-              <a:t>10/26/2025</a:t>
+              <a:t>10/27/2025</a:t>
             </a:fld>
             <a:endParaRPr lang="en-US" dirty="0"/>
           </a:p>
@@ -471,7 +471,7 @@
           <a:p>
             <a:fld id="{D6762538-DC4D-4667-96E5-B3278DDF8B12}" type="datetime1">
               <a:rPr lang="en-US" smtClean="0"/>
-              <a:t>10/26/2025</a:t>
+              <a:t>10/27/2025</a:t>
             </a:fld>
             <a:endParaRPr lang="en-US"/>
           </a:p>
@@ -679,7 +679,7 @@
           <a:p>
             <a:fld id="{05880548-5C08-4BE3-B63E-F2BB63B0B00C}" type="datetime1">
               <a:rPr lang="en-US" smtClean="0"/>
-              <a:t>10/26/2025</a:t>
+              <a:t>10/27/2025</a:t>
             </a:fld>
             <a:endParaRPr lang="en-US"/>
           </a:p>
@@ -877,7 +877,7 @@
           <a:p>
             <a:fld id="{DE7F49BE-398D-479A-8A7E-5DDBCA61EDCB}" type="datetime1">
               <a:rPr lang="en-US" smtClean="0"/>
-              <a:t>10/26/2025</a:t>
+              <a:t>10/27/2025</a:t>
             </a:fld>
             <a:endParaRPr lang="en-US"/>
           </a:p>
@@ -1153,7 +1153,7 @@
           <a:p>
             <a:fld id="{CCD0C193-4974-4A1F-9C63-07D595E30D66}" type="datetime1">
               <a:rPr lang="en-US" smtClean="0"/>
-              <a:t>10/26/2025</a:t>
+              <a:t>10/27/2025</a:t>
             </a:fld>
             <a:endParaRPr lang="en-US"/>
           </a:p>
@@ -1420,7 +1420,7 @@
           <a:p>
             <a:fld id="{701AA87F-28D4-4BF0-B81F-877A89DFD5AC}" type="datetime1">
               <a:rPr lang="en-US" smtClean="0"/>
-              <a:t>10/26/2025</a:t>
+              <a:t>10/27/2025</a:t>
             </a:fld>
             <a:endParaRPr lang="en-US"/>
           </a:p>
@@ -1834,7 +1834,7 @@
           <a:p>
             <a:fld id="{A8A9F1F3-208B-49A3-B337-9C8ACEB3E0E1}" type="datetime1">
               <a:rPr lang="en-US" smtClean="0"/>
-              <a:t>10/26/2025</a:t>
+              <a:t>10/27/2025</a:t>
             </a:fld>
             <a:endParaRPr lang="en-US"/>
           </a:p>
@@ -1981,7 +1981,7 @@
           <a:p>
             <a:fld id="{27AF6CA6-7293-4AA2-A0E0-A3BF4416E786}" type="datetime1">
               <a:rPr lang="en-US" smtClean="0"/>
-              <a:t>10/26/2025</a:t>
+              <a:t>10/27/2025</a:t>
             </a:fld>
             <a:endParaRPr lang="en-US"/>
           </a:p>
@@ -2094,7 +2094,7 @@
           <a:p>
             <a:fld id="{98D87016-7BCD-46FB-8EE3-AB6C369108B4}" type="datetime1">
               <a:rPr lang="en-US" smtClean="0"/>
-              <a:t>10/26/2025</a:t>
+              <a:t>10/27/2025</a:t>
             </a:fld>
             <a:endParaRPr lang="en-US"/>
           </a:p>
@@ -2413,7 +2413,7 @@
           <a:p>
             <a:fld id="{A1547011-1FFC-4EF8-9A2E-53B4AD2ADBD4}" type="datetime1">
               <a:rPr lang="en-US" smtClean="0"/>
-              <a:t>10/26/2025</a:t>
+              <a:t>10/27/2025</a:t>
             </a:fld>
             <a:endParaRPr lang="en-US"/>
           </a:p>
@@ -2708,7 +2708,7 @@
           <a:p>
             <a:fld id="{9562EB47-45B4-4EF5-A743-B4885DD2F060}" type="datetime1">
               <a:rPr lang="en-US" smtClean="0"/>
-              <a:t>10/26/2025</a:t>
+              <a:t>10/27/2025</a:t>
             </a:fld>
             <a:endParaRPr lang="en-US"/>
           </a:p>
@@ -4093,7 +4093,7 @@
           <a:p>
             <a:fld id="{4A8D24A4-5FEC-4062-8995-EB21925B3B40}" type="datetime1">
               <a:rPr lang="en-US" smtClean="0"/>
-              <a:t>10/26/2025</a:t>
+              <a:t>10/27/2025</a:t>
             </a:fld>
             <a:endParaRPr lang="en-US" sz="1000" dirty="0"/>
           </a:p>
@@ -6287,689 +6287,65 @@
           </a:bodyPr>
           <a:lstStyle/>
           <a:p>
-            <a:endParaRPr lang="pt-BR" sz="1400" dirty="0">
+            <a:r>
+              <a:rPr lang="pt-BR" dirty="0">
+                <a:solidFill>
+                  <a:schemeClr val="bg1"/>
+                </a:solidFill>
+              </a:rPr>
+              <a:t>O teste de segurança garante a proteção de dados em sistemas e redes.</a:t>
+            </a:r>
+            <a:br>
+              <a:rPr lang="pt-BR" dirty="0">
+                <a:solidFill>
+                  <a:schemeClr val="bg1"/>
+                </a:solidFill>
+              </a:rPr>
+            </a:br>
+            <a:r>
+              <a:rPr lang="pt-BR" dirty="0">
+                <a:solidFill>
+                  <a:schemeClr val="bg1"/>
+                </a:solidFill>
+              </a:rPr>
+              <a:t>Avalia vulnerabilidades e possíveis pontos de falha.</a:t>
+            </a:r>
+            <a:br>
+              <a:rPr lang="pt-BR" dirty="0">
+                <a:solidFill>
+                  <a:schemeClr val="bg1"/>
+                </a:solidFill>
+              </a:rPr>
+            </a:br>
+            <a:r>
+              <a:rPr lang="pt-BR" dirty="0">
+                <a:solidFill>
+                  <a:schemeClr val="bg1"/>
+                </a:solidFill>
+              </a:rPr>
+              <a:t>Identifica riscos de exploração por invasores ou hackers.</a:t>
+            </a:r>
+            <a:br>
+              <a:rPr lang="pt-BR" dirty="0">
+                <a:solidFill>
+                  <a:schemeClr val="bg1"/>
+                </a:solidFill>
+              </a:rPr>
+            </a:br>
+            <a:r>
+              <a:rPr lang="pt-BR" dirty="0">
+                <a:solidFill>
+                  <a:schemeClr val="bg1"/>
+                </a:solidFill>
+              </a:rPr>
+              <a:t>Assegura integridade, disponibilidade e confidencialidade das informações.</a:t>
+            </a:r>
+            <a:endParaRPr lang="pt-BR" dirty="0">
               <a:solidFill>
-                <a:srgbClr val="5A6675"/>
+                <a:schemeClr val="bg1"/>
               </a:solidFill>
               <a:ea typeface="Calibri"/>
               <a:cs typeface="Calibri"/>
-            </a:endParaRPr>
-          </a:p>
-          <a:p>
-            <a:r>
-              <a:rPr lang="de-DE" dirty="0">
-                <a:solidFill>
-                  <a:schemeClr val="bg1"/>
-                </a:solidFill>
-                <a:ea typeface="+mn-lt"/>
-                <a:cs typeface="+mn-lt"/>
-              </a:rPr>
-              <a:t>O teste de </a:t>
-            </a:r>
-            <a:r>
-              <a:rPr lang="de-DE" dirty="0" err="1">
-                <a:solidFill>
-                  <a:schemeClr val="bg1"/>
-                </a:solidFill>
-                <a:ea typeface="+mn-lt"/>
-                <a:cs typeface="+mn-lt"/>
-              </a:rPr>
-              <a:t>segurança</a:t>
-            </a:r>
-            <a:r>
-              <a:rPr lang="de-DE" dirty="0">
-                <a:solidFill>
-                  <a:schemeClr val="bg1"/>
-                </a:solidFill>
-                <a:ea typeface="+mn-lt"/>
-                <a:cs typeface="+mn-lt"/>
-              </a:rPr>
-              <a:t> é </a:t>
-            </a:r>
-            <a:r>
-              <a:rPr lang="de-DE" dirty="0" err="1">
-                <a:solidFill>
-                  <a:schemeClr val="bg1"/>
-                </a:solidFill>
-                <a:ea typeface="+mn-lt"/>
-                <a:cs typeface="+mn-lt"/>
-              </a:rPr>
-              <a:t>uma</a:t>
-            </a:r>
-            <a:r>
-              <a:rPr lang="de-DE" dirty="0">
-                <a:solidFill>
-                  <a:schemeClr val="bg1"/>
-                </a:solidFill>
-                <a:ea typeface="+mn-lt"/>
-                <a:cs typeface="+mn-lt"/>
-              </a:rPr>
-              <a:t> </a:t>
-            </a:r>
-            <a:r>
-              <a:rPr lang="de-DE" dirty="0" err="1">
-                <a:solidFill>
-                  <a:schemeClr val="bg1"/>
-                </a:solidFill>
-                <a:ea typeface="+mn-lt"/>
-                <a:cs typeface="+mn-lt"/>
-              </a:rPr>
-              <a:t>prática</a:t>
-            </a:r>
-            <a:r>
-              <a:rPr lang="de-DE" dirty="0">
-                <a:solidFill>
-                  <a:schemeClr val="bg1"/>
-                </a:solidFill>
-                <a:ea typeface="+mn-lt"/>
-                <a:cs typeface="+mn-lt"/>
-              </a:rPr>
-              <a:t> </a:t>
-            </a:r>
-            <a:r>
-              <a:rPr lang="de-DE" dirty="0" err="1">
-                <a:solidFill>
-                  <a:schemeClr val="bg1"/>
-                </a:solidFill>
-                <a:ea typeface="+mn-lt"/>
-                <a:cs typeface="+mn-lt"/>
-              </a:rPr>
-              <a:t>essencial</a:t>
-            </a:r>
-            <a:r>
-              <a:rPr lang="de-DE" dirty="0">
-                <a:solidFill>
-                  <a:schemeClr val="bg1"/>
-                </a:solidFill>
-                <a:ea typeface="+mn-lt"/>
-                <a:cs typeface="+mn-lt"/>
-              </a:rPr>
-              <a:t> </a:t>
-            </a:r>
-            <a:r>
-              <a:rPr lang="de-DE" dirty="0" err="1">
-                <a:solidFill>
-                  <a:schemeClr val="bg1"/>
-                </a:solidFill>
-                <a:ea typeface="+mn-lt"/>
-                <a:cs typeface="+mn-lt"/>
-              </a:rPr>
-              <a:t>para</a:t>
-            </a:r>
-            <a:r>
-              <a:rPr lang="de-DE" dirty="0">
-                <a:solidFill>
-                  <a:schemeClr val="bg1"/>
-                </a:solidFill>
-                <a:ea typeface="+mn-lt"/>
-                <a:cs typeface="+mn-lt"/>
-              </a:rPr>
-              <a:t> </a:t>
-            </a:r>
-            <a:r>
-              <a:rPr lang="de-DE" dirty="0" err="1">
-                <a:solidFill>
-                  <a:schemeClr val="bg1"/>
-                </a:solidFill>
-                <a:ea typeface="+mn-lt"/>
-                <a:cs typeface="+mn-lt"/>
-              </a:rPr>
-              <a:t>garantir</a:t>
-            </a:r>
-            <a:r>
-              <a:rPr lang="de-DE" dirty="0">
-                <a:solidFill>
-                  <a:schemeClr val="bg1"/>
-                </a:solidFill>
-                <a:ea typeface="+mn-lt"/>
-                <a:cs typeface="+mn-lt"/>
-              </a:rPr>
-              <a:t> a </a:t>
-            </a:r>
-            <a:r>
-              <a:rPr lang="de-DE" dirty="0" err="1">
-                <a:solidFill>
-                  <a:schemeClr val="bg1"/>
-                </a:solidFill>
-                <a:ea typeface="+mn-lt"/>
-                <a:cs typeface="+mn-lt"/>
-              </a:rPr>
-              <a:t>proteção</a:t>
-            </a:r>
-            <a:r>
-              <a:rPr lang="de-DE" dirty="0">
-                <a:solidFill>
-                  <a:schemeClr val="bg1"/>
-                </a:solidFill>
-                <a:ea typeface="+mn-lt"/>
-                <a:cs typeface="+mn-lt"/>
-              </a:rPr>
-              <a:t> de </a:t>
-            </a:r>
-            <a:r>
-              <a:rPr lang="de-DE" dirty="0" err="1">
-                <a:solidFill>
-                  <a:schemeClr val="bg1"/>
-                </a:solidFill>
-                <a:ea typeface="+mn-lt"/>
-                <a:cs typeface="+mn-lt"/>
-              </a:rPr>
-              <a:t>dados</a:t>
-            </a:r>
-            <a:r>
-              <a:rPr lang="de-DE" dirty="0">
-                <a:solidFill>
-                  <a:schemeClr val="bg1"/>
-                </a:solidFill>
-                <a:ea typeface="+mn-lt"/>
-                <a:cs typeface="+mn-lt"/>
-              </a:rPr>
-              <a:t> e </a:t>
-            </a:r>
-            <a:r>
-              <a:rPr lang="de-DE" dirty="0" err="1">
-                <a:solidFill>
-                  <a:schemeClr val="bg1"/>
-                </a:solidFill>
-                <a:ea typeface="+mn-lt"/>
-                <a:cs typeface="+mn-lt"/>
-              </a:rPr>
-              <a:t>informações</a:t>
-            </a:r>
-            <a:r>
-              <a:rPr lang="de-DE" dirty="0">
-                <a:solidFill>
-                  <a:schemeClr val="bg1"/>
-                </a:solidFill>
-                <a:ea typeface="+mn-lt"/>
-                <a:cs typeface="+mn-lt"/>
-              </a:rPr>
-              <a:t> </a:t>
-            </a:r>
-            <a:r>
-              <a:rPr lang="de-DE" dirty="0" err="1">
-                <a:solidFill>
-                  <a:schemeClr val="bg1"/>
-                </a:solidFill>
-                <a:ea typeface="+mn-lt"/>
-                <a:cs typeface="+mn-lt"/>
-              </a:rPr>
-              <a:t>em</a:t>
-            </a:r>
-            <a:r>
-              <a:rPr lang="de-DE" dirty="0">
-                <a:solidFill>
-                  <a:schemeClr val="bg1"/>
-                </a:solidFill>
-                <a:ea typeface="+mn-lt"/>
-                <a:cs typeface="+mn-lt"/>
-              </a:rPr>
-              <a:t> </a:t>
-            </a:r>
-            <a:r>
-              <a:rPr lang="de-DE" dirty="0" err="1">
-                <a:solidFill>
-                  <a:schemeClr val="bg1"/>
-                </a:solidFill>
-                <a:ea typeface="+mn-lt"/>
-                <a:cs typeface="+mn-lt"/>
-              </a:rPr>
-              <a:t>sistemas</a:t>
-            </a:r>
-            <a:r>
-              <a:rPr lang="de-DE" dirty="0">
-                <a:solidFill>
-                  <a:schemeClr val="bg1"/>
-                </a:solidFill>
-                <a:ea typeface="+mn-lt"/>
-                <a:cs typeface="+mn-lt"/>
-              </a:rPr>
-              <a:t>, </a:t>
-            </a:r>
-            <a:r>
-              <a:rPr lang="de-DE" dirty="0" err="1">
-                <a:solidFill>
-                  <a:schemeClr val="bg1"/>
-                </a:solidFill>
-                <a:ea typeface="+mn-lt"/>
-                <a:cs typeface="+mn-lt"/>
-              </a:rPr>
-              <a:t>aplicativos</a:t>
-            </a:r>
-            <a:r>
-              <a:rPr lang="de-DE" dirty="0">
-                <a:solidFill>
-                  <a:schemeClr val="bg1"/>
-                </a:solidFill>
-                <a:ea typeface="+mn-lt"/>
-                <a:cs typeface="+mn-lt"/>
-              </a:rPr>
-              <a:t> e </a:t>
-            </a:r>
-            <a:r>
-              <a:rPr lang="de-DE" dirty="0" err="1">
-                <a:solidFill>
-                  <a:schemeClr val="bg1"/>
-                </a:solidFill>
-                <a:ea typeface="+mn-lt"/>
-                <a:cs typeface="+mn-lt"/>
-              </a:rPr>
-              <a:t>redes</a:t>
-            </a:r>
-            <a:r>
-              <a:rPr lang="de-DE" dirty="0">
-                <a:solidFill>
-                  <a:schemeClr val="bg1"/>
-                </a:solidFill>
-                <a:ea typeface="+mn-lt"/>
-                <a:cs typeface="+mn-lt"/>
-              </a:rPr>
-              <a:t>. </a:t>
-            </a:r>
-            <a:r>
-              <a:rPr lang="de-DE" dirty="0" err="1">
-                <a:solidFill>
-                  <a:schemeClr val="bg1"/>
-                </a:solidFill>
-                <a:ea typeface="+mn-lt"/>
-                <a:cs typeface="+mn-lt"/>
-              </a:rPr>
-              <a:t>Consiste</a:t>
-            </a:r>
-            <a:r>
-              <a:rPr lang="de-DE" dirty="0">
-                <a:solidFill>
-                  <a:schemeClr val="bg1"/>
-                </a:solidFill>
-                <a:ea typeface="+mn-lt"/>
-                <a:cs typeface="+mn-lt"/>
-              </a:rPr>
-              <a:t> na </a:t>
-            </a:r>
-            <a:r>
-              <a:rPr lang="de-DE" dirty="0" err="1">
-                <a:solidFill>
-                  <a:schemeClr val="bg1"/>
-                </a:solidFill>
-                <a:ea typeface="+mn-lt"/>
-                <a:cs typeface="+mn-lt"/>
-              </a:rPr>
-              <a:t>avaliação</a:t>
-            </a:r>
-            <a:r>
-              <a:rPr lang="de-DE" dirty="0">
-                <a:solidFill>
-                  <a:schemeClr val="bg1"/>
-                </a:solidFill>
-                <a:ea typeface="+mn-lt"/>
-                <a:cs typeface="+mn-lt"/>
-              </a:rPr>
-              <a:t> de </a:t>
-            </a:r>
-            <a:r>
-              <a:rPr lang="de-DE" dirty="0" err="1">
-                <a:solidFill>
-                  <a:schemeClr val="bg1"/>
-                </a:solidFill>
-                <a:ea typeface="+mn-lt"/>
-                <a:cs typeface="+mn-lt"/>
-              </a:rPr>
-              <a:t>possíveis</a:t>
-            </a:r>
-            <a:r>
-              <a:rPr lang="de-DE" dirty="0">
-                <a:solidFill>
-                  <a:schemeClr val="bg1"/>
-                </a:solidFill>
-                <a:ea typeface="+mn-lt"/>
-                <a:cs typeface="+mn-lt"/>
-              </a:rPr>
-              <a:t> </a:t>
-            </a:r>
-            <a:r>
-              <a:rPr lang="de-DE" dirty="0" err="1">
-                <a:solidFill>
-                  <a:schemeClr val="bg1"/>
-                </a:solidFill>
-                <a:ea typeface="+mn-lt"/>
-                <a:cs typeface="+mn-lt"/>
-              </a:rPr>
-              <a:t>vulnerabilidades</a:t>
-            </a:r>
-            <a:r>
-              <a:rPr lang="de-DE" dirty="0">
-                <a:solidFill>
-                  <a:schemeClr val="bg1"/>
-                </a:solidFill>
-                <a:ea typeface="+mn-lt"/>
-                <a:cs typeface="+mn-lt"/>
-              </a:rPr>
-              <a:t> e </a:t>
-            </a:r>
-            <a:r>
-              <a:rPr lang="de-DE" dirty="0" err="1">
-                <a:solidFill>
-                  <a:schemeClr val="bg1"/>
-                </a:solidFill>
-                <a:ea typeface="+mn-lt"/>
-                <a:cs typeface="+mn-lt"/>
-              </a:rPr>
-              <a:t>pontos</a:t>
-            </a:r>
-            <a:r>
-              <a:rPr lang="de-DE" dirty="0">
-                <a:solidFill>
-                  <a:schemeClr val="bg1"/>
-                </a:solidFill>
-                <a:ea typeface="+mn-lt"/>
-                <a:cs typeface="+mn-lt"/>
-              </a:rPr>
-              <a:t> de </a:t>
-            </a:r>
-            <a:r>
-              <a:rPr lang="de-DE" dirty="0" err="1">
-                <a:solidFill>
-                  <a:schemeClr val="bg1"/>
-                </a:solidFill>
-                <a:ea typeface="+mn-lt"/>
-                <a:cs typeface="+mn-lt"/>
-              </a:rPr>
-              <a:t>falha</a:t>
-            </a:r>
-            <a:r>
-              <a:rPr lang="de-DE" dirty="0">
-                <a:solidFill>
-                  <a:schemeClr val="bg1"/>
-                </a:solidFill>
-                <a:ea typeface="+mn-lt"/>
-                <a:cs typeface="+mn-lt"/>
-              </a:rPr>
-              <a:t> </a:t>
-            </a:r>
-            <a:r>
-              <a:rPr lang="de-DE" dirty="0" err="1">
-                <a:solidFill>
-                  <a:schemeClr val="bg1"/>
-                </a:solidFill>
-                <a:ea typeface="+mn-lt"/>
-                <a:cs typeface="+mn-lt"/>
-              </a:rPr>
-              <a:t>que</a:t>
-            </a:r>
-            <a:r>
-              <a:rPr lang="de-DE" dirty="0">
-                <a:solidFill>
-                  <a:schemeClr val="bg1"/>
-                </a:solidFill>
-                <a:ea typeface="+mn-lt"/>
-                <a:cs typeface="+mn-lt"/>
-              </a:rPr>
-              <a:t> </a:t>
-            </a:r>
-            <a:r>
-              <a:rPr lang="de-DE" dirty="0" err="1">
-                <a:solidFill>
-                  <a:schemeClr val="bg1"/>
-                </a:solidFill>
-                <a:ea typeface="+mn-lt"/>
-                <a:cs typeface="+mn-lt"/>
-              </a:rPr>
-              <a:t>possam</a:t>
-            </a:r>
-            <a:r>
-              <a:rPr lang="de-DE" dirty="0">
-                <a:solidFill>
-                  <a:schemeClr val="bg1"/>
-                </a:solidFill>
-                <a:ea typeface="+mn-lt"/>
-                <a:cs typeface="+mn-lt"/>
-              </a:rPr>
-              <a:t> </a:t>
-            </a:r>
-            <a:r>
-              <a:rPr lang="de-DE" dirty="0" err="1">
-                <a:solidFill>
-                  <a:schemeClr val="bg1"/>
-                </a:solidFill>
-                <a:ea typeface="+mn-lt"/>
-                <a:cs typeface="+mn-lt"/>
-              </a:rPr>
-              <a:t>ser</a:t>
-            </a:r>
-            <a:r>
-              <a:rPr lang="de-DE" dirty="0">
-                <a:solidFill>
-                  <a:schemeClr val="bg1"/>
-                </a:solidFill>
-                <a:ea typeface="+mn-lt"/>
-                <a:cs typeface="+mn-lt"/>
-              </a:rPr>
-              <a:t> </a:t>
-            </a:r>
-            <a:r>
-              <a:rPr lang="de-DE" dirty="0" err="1">
-                <a:solidFill>
-                  <a:schemeClr val="bg1"/>
-                </a:solidFill>
-                <a:ea typeface="+mn-lt"/>
-                <a:cs typeface="+mn-lt"/>
-              </a:rPr>
-              <a:t>explorados</a:t>
-            </a:r>
-            <a:r>
-              <a:rPr lang="de-DE" dirty="0">
-                <a:solidFill>
-                  <a:schemeClr val="bg1"/>
-                </a:solidFill>
-                <a:ea typeface="+mn-lt"/>
-                <a:cs typeface="+mn-lt"/>
-              </a:rPr>
-              <a:t> </a:t>
-            </a:r>
-            <a:r>
-              <a:rPr lang="de-DE" dirty="0" err="1">
-                <a:solidFill>
-                  <a:schemeClr val="bg1"/>
-                </a:solidFill>
-                <a:ea typeface="+mn-lt"/>
-                <a:cs typeface="+mn-lt"/>
-              </a:rPr>
-              <a:t>por</a:t>
-            </a:r>
-            <a:r>
-              <a:rPr lang="de-DE" dirty="0">
-                <a:solidFill>
-                  <a:schemeClr val="bg1"/>
-                </a:solidFill>
-                <a:ea typeface="+mn-lt"/>
-                <a:cs typeface="+mn-lt"/>
-              </a:rPr>
-              <a:t> </a:t>
-            </a:r>
-            <a:r>
-              <a:rPr lang="de-DE" dirty="0" err="1">
-                <a:solidFill>
-                  <a:schemeClr val="bg1"/>
-                </a:solidFill>
-                <a:ea typeface="+mn-lt"/>
-                <a:cs typeface="+mn-lt"/>
-              </a:rPr>
-              <a:t>invasores</a:t>
-            </a:r>
-            <a:r>
-              <a:rPr lang="de-DE" dirty="0">
-                <a:solidFill>
-                  <a:schemeClr val="bg1"/>
-                </a:solidFill>
-                <a:ea typeface="+mn-lt"/>
-                <a:cs typeface="+mn-lt"/>
-              </a:rPr>
-              <a:t> e </a:t>
-            </a:r>
-            <a:r>
-              <a:rPr lang="de-DE" dirty="0" err="1">
-                <a:solidFill>
-                  <a:schemeClr val="bg1"/>
-                </a:solidFill>
-                <a:ea typeface="+mn-lt"/>
-                <a:cs typeface="+mn-lt"/>
-              </a:rPr>
-              <a:t>hackers</a:t>
-            </a:r>
-            <a:r>
-              <a:rPr lang="de-DE" dirty="0">
-                <a:solidFill>
-                  <a:schemeClr val="bg1"/>
-                </a:solidFill>
-                <a:ea typeface="+mn-lt"/>
-                <a:cs typeface="+mn-lt"/>
-              </a:rPr>
-              <a:t> mal-</a:t>
-            </a:r>
-            <a:r>
-              <a:rPr lang="de-DE" dirty="0" err="1">
-                <a:solidFill>
-                  <a:schemeClr val="bg1"/>
-                </a:solidFill>
-                <a:ea typeface="+mn-lt"/>
-                <a:cs typeface="+mn-lt"/>
-              </a:rPr>
-              <a:t>intencionados</a:t>
-            </a:r>
-            <a:r>
-              <a:rPr lang="de-DE" dirty="0">
-                <a:solidFill>
-                  <a:schemeClr val="bg1"/>
-                </a:solidFill>
-                <a:ea typeface="+mn-lt"/>
-                <a:cs typeface="+mn-lt"/>
-              </a:rPr>
-              <a:t>, </a:t>
-            </a:r>
-            <a:r>
-              <a:rPr lang="de-DE" dirty="0" err="1">
-                <a:solidFill>
-                  <a:schemeClr val="bg1"/>
-                </a:solidFill>
-                <a:ea typeface="+mn-lt"/>
-                <a:cs typeface="+mn-lt"/>
-              </a:rPr>
-              <a:t>para</a:t>
-            </a:r>
-            <a:r>
-              <a:rPr lang="de-DE" dirty="0">
-                <a:solidFill>
-                  <a:schemeClr val="bg1"/>
-                </a:solidFill>
-                <a:ea typeface="+mn-lt"/>
-                <a:cs typeface="+mn-lt"/>
-              </a:rPr>
-              <a:t> </a:t>
-            </a:r>
-            <a:r>
-              <a:rPr lang="de-DE" dirty="0" err="1">
-                <a:solidFill>
-                  <a:schemeClr val="bg1"/>
-                </a:solidFill>
-                <a:ea typeface="+mn-lt"/>
-                <a:cs typeface="+mn-lt"/>
-              </a:rPr>
-              <a:t>comprometer</a:t>
-            </a:r>
-            <a:r>
-              <a:rPr lang="de-DE" dirty="0">
-                <a:solidFill>
-                  <a:schemeClr val="bg1"/>
-                </a:solidFill>
-                <a:ea typeface="+mn-lt"/>
-                <a:cs typeface="+mn-lt"/>
-              </a:rPr>
-              <a:t> a </a:t>
-            </a:r>
-            <a:r>
-              <a:rPr lang="de-DE" dirty="0" err="1">
-                <a:solidFill>
-                  <a:schemeClr val="bg1"/>
-                </a:solidFill>
-                <a:ea typeface="+mn-lt"/>
-                <a:cs typeface="+mn-lt"/>
-              </a:rPr>
-              <a:t>integridade</a:t>
-            </a:r>
-            <a:r>
-              <a:rPr lang="de-DE" dirty="0">
-                <a:solidFill>
-                  <a:schemeClr val="bg1"/>
-                </a:solidFill>
-                <a:ea typeface="+mn-lt"/>
-                <a:cs typeface="+mn-lt"/>
-              </a:rPr>
-              <a:t>, </a:t>
-            </a:r>
-            <a:r>
-              <a:rPr lang="de-DE" dirty="0" err="1">
-                <a:solidFill>
-                  <a:schemeClr val="bg1"/>
-                </a:solidFill>
-                <a:ea typeface="+mn-lt"/>
-                <a:cs typeface="+mn-lt"/>
-              </a:rPr>
-              <a:t>disponibilidade</a:t>
-            </a:r>
-            <a:r>
-              <a:rPr lang="de-DE" dirty="0">
-                <a:solidFill>
-                  <a:schemeClr val="bg1"/>
-                </a:solidFill>
-                <a:ea typeface="+mn-lt"/>
-                <a:cs typeface="+mn-lt"/>
-              </a:rPr>
-              <a:t> e </a:t>
-            </a:r>
-            <a:r>
-              <a:rPr lang="de-DE" dirty="0" err="1">
-                <a:solidFill>
-                  <a:schemeClr val="bg1"/>
-                </a:solidFill>
-                <a:ea typeface="+mn-lt"/>
-                <a:cs typeface="+mn-lt"/>
-              </a:rPr>
-              <a:t>confidencialidade</a:t>
-            </a:r>
-            <a:r>
-              <a:rPr lang="de-DE" dirty="0">
-                <a:solidFill>
-                  <a:schemeClr val="bg1"/>
-                </a:solidFill>
-                <a:ea typeface="+mn-lt"/>
-                <a:cs typeface="+mn-lt"/>
-              </a:rPr>
-              <a:t> dos </a:t>
-            </a:r>
-            <a:r>
-              <a:rPr lang="de-DE" dirty="0" err="1">
-                <a:solidFill>
-                  <a:schemeClr val="bg1"/>
-                </a:solidFill>
-                <a:ea typeface="+mn-lt"/>
-                <a:cs typeface="+mn-lt"/>
-              </a:rPr>
-              <a:t>dados</a:t>
-            </a:r>
-            <a:r>
-              <a:rPr lang="de-DE" dirty="0">
-                <a:solidFill>
-                  <a:schemeClr val="bg1"/>
-                </a:solidFill>
-                <a:ea typeface="+mn-lt"/>
-                <a:cs typeface="+mn-lt"/>
-              </a:rPr>
-              <a:t>.</a:t>
-            </a:r>
-            <a:endParaRPr lang="de-DE" dirty="0">
-              <a:solidFill>
-                <a:schemeClr val="bg1"/>
-              </a:solidFill>
             </a:endParaRPr>
           </a:p>
         </p:txBody>
@@ -7791,946 +7167,62 @@
           </a:bodyPr>
           <a:lstStyle/>
           <a:p>
-            <a:endParaRPr lang="pt-BR"/>
-          </a:p>
-          <a:p>
-            <a:r>
-              <a:rPr lang="de-DE" dirty="0">
+            <a:endParaRPr lang="pt-BR" dirty="0"/>
+          </a:p>
+          <a:p>
+            <a:r>
+              <a:rPr lang="pt-BR" dirty="0">
                 <a:solidFill>
                   <a:schemeClr val="bg1"/>
                 </a:solidFill>
-                <a:ea typeface="+mn-lt"/>
-                <a:cs typeface="+mn-lt"/>
               </a:rPr>
-              <a:t>Os </a:t>
-            </a:r>
-            <a:r>
-              <a:rPr lang="de-DE" dirty="0" err="1">
+              <a:t>Os testes de segurança são realizados por especialistas ou consultorias.</a:t>
+            </a:r>
+            <a:br>
+              <a:rPr lang="pt-BR" dirty="0">
                 <a:solidFill>
                   <a:schemeClr val="bg1"/>
                 </a:solidFill>
-                <a:ea typeface="+mn-lt"/>
-                <a:cs typeface="+mn-lt"/>
               </a:rPr>
-              <a:t>security</a:t>
-            </a:r>
-            <a:r>
-              <a:rPr lang="de-DE" dirty="0">
+            </a:br>
+            <a:r>
+              <a:rPr lang="pt-BR" dirty="0">
                 <a:solidFill>
                   <a:schemeClr val="bg1"/>
                 </a:solidFill>
-                <a:ea typeface="+mn-lt"/>
-                <a:cs typeface="+mn-lt"/>
               </a:rPr>
-              <a:t> </a:t>
-            </a:r>
-            <a:r>
-              <a:rPr lang="de-DE" dirty="0" err="1">
+              <a:t>Usam técnicas como análise de código, varredura de portas e testes de penetração.</a:t>
+            </a:r>
+            <a:br>
+              <a:rPr lang="pt-BR" dirty="0">
                 <a:solidFill>
                   <a:schemeClr val="bg1"/>
                 </a:solidFill>
-                <a:ea typeface="+mn-lt"/>
-                <a:cs typeface="+mn-lt"/>
               </a:rPr>
-              <a:t>testing</a:t>
-            </a:r>
-            <a:r>
-              <a:rPr lang="de-DE" dirty="0">
+            </a:br>
+            <a:r>
+              <a:rPr lang="pt-BR" dirty="0">
                 <a:solidFill>
                   <a:schemeClr val="bg1"/>
                 </a:solidFill>
-                <a:ea typeface="+mn-lt"/>
-                <a:cs typeface="+mn-lt"/>
               </a:rPr>
-              <a:t> </a:t>
-            </a:r>
-            <a:r>
-              <a:rPr lang="de-DE" dirty="0" err="1">
+              <a:t>Identificam vulnerabilidades para fortalecer a segurança do sistema.</a:t>
+            </a:r>
+            <a:br>
+              <a:rPr lang="pt-BR" dirty="0">
                 <a:solidFill>
                   <a:schemeClr val="bg1"/>
                 </a:solidFill>
-                <a:ea typeface="+mn-lt"/>
-                <a:cs typeface="+mn-lt"/>
               </a:rPr>
-              <a:t>são</a:t>
-            </a:r>
-            <a:r>
-              <a:rPr lang="de-DE" dirty="0">
+            </a:br>
+            <a:r>
+              <a:rPr lang="pt-BR" dirty="0">
                 <a:solidFill>
                   <a:schemeClr val="bg1"/>
                 </a:solidFill>
-                <a:ea typeface="+mn-lt"/>
-                <a:cs typeface="+mn-lt"/>
               </a:rPr>
-              <a:t> </a:t>
-            </a:r>
-            <a:r>
-              <a:rPr lang="de-DE" dirty="0" err="1">
-                <a:solidFill>
-                  <a:schemeClr val="bg1"/>
-                </a:solidFill>
-                <a:ea typeface="+mn-lt"/>
-                <a:cs typeface="+mn-lt"/>
-              </a:rPr>
-              <a:t>realizados</a:t>
-            </a:r>
-            <a:r>
-              <a:rPr lang="de-DE" dirty="0">
-                <a:solidFill>
-                  <a:schemeClr val="bg1"/>
-                </a:solidFill>
-                <a:ea typeface="+mn-lt"/>
-                <a:cs typeface="+mn-lt"/>
-              </a:rPr>
-              <a:t> </a:t>
-            </a:r>
-            <a:r>
-              <a:rPr lang="de-DE" dirty="0" err="1">
-                <a:solidFill>
-                  <a:schemeClr val="bg1"/>
-                </a:solidFill>
-                <a:ea typeface="+mn-lt"/>
-                <a:cs typeface="+mn-lt"/>
-              </a:rPr>
-              <a:t>por</a:t>
-            </a:r>
-            <a:r>
-              <a:rPr lang="de-DE" dirty="0">
-                <a:solidFill>
-                  <a:schemeClr val="bg1"/>
-                </a:solidFill>
-                <a:ea typeface="+mn-lt"/>
-                <a:cs typeface="+mn-lt"/>
-              </a:rPr>
-              <a:t> </a:t>
-            </a:r>
-            <a:r>
-              <a:rPr lang="de-DE" dirty="0" err="1">
-                <a:solidFill>
-                  <a:schemeClr val="bg1"/>
-                </a:solidFill>
-                <a:ea typeface="+mn-lt"/>
-                <a:cs typeface="+mn-lt"/>
-              </a:rPr>
-              <a:t>consultorias</a:t>
-            </a:r>
-            <a:r>
-              <a:rPr lang="de-DE" dirty="0">
-                <a:solidFill>
-                  <a:schemeClr val="bg1"/>
-                </a:solidFill>
-                <a:ea typeface="+mn-lt"/>
-                <a:cs typeface="+mn-lt"/>
-              </a:rPr>
-              <a:t> </a:t>
-            </a:r>
-            <a:r>
-              <a:rPr lang="de-DE" dirty="0" err="1">
-                <a:solidFill>
-                  <a:schemeClr val="bg1"/>
-                </a:solidFill>
-                <a:ea typeface="+mn-lt"/>
-                <a:cs typeface="+mn-lt"/>
-              </a:rPr>
-              <a:t>ou</a:t>
-            </a:r>
-            <a:r>
-              <a:rPr lang="de-DE" dirty="0">
-                <a:solidFill>
-                  <a:schemeClr val="bg1"/>
-                </a:solidFill>
-                <a:ea typeface="+mn-lt"/>
-                <a:cs typeface="+mn-lt"/>
-              </a:rPr>
-              <a:t> </a:t>
-            </a:r>
-            <a:r>
-              <a:rPr lang="de-DE" dirty="0" err="1">
-                <a:solidFill>
-                  <a:schemeClr val="bg1"/>
-                </a:solidFill>
-                <a:ea typeface="+mn-lt"/>
-                <a:cs typeface="+mn-lt"/>
-              </a:rPr>
-              <a:t>especialistas</a:t>
-            </a:r>
-            <a:r>
-              <a:rPr lang="de-DE" dirty="0">
-                <a:solidFill>
-                  <a:schemeClr val="bg1"/>
-                </a:solidFill>
-                <a:ea typeface="+mn-lt"/>
-                <a:cs typeface="+mn-lt"/>
-              </a:rPr>
-              <a:t> </a:t>
-            </a:r>
-            <a:r>
-              <a:rPr lang="de-DE" dirty="0" err="1">
-                <a:solidFill>
-                  <a:schemeClr val="bg1"/>
-                </a:solidFill>
-                <a:ea typeface="+mn-lt"/>
-                <a:cs typeface="+mn-lt"/>
-              </a:rPr>
-              <a:t>em</a:t>
-            </a:r>
-            <a:r>
-              <a:rPr lang="de-DE" dirty="0">
-                <a:solidFill>
-                  <a:schemeClr val="bg1"/>
-                </a:solidFill>
-                <a:ea typeface="+mn-lt"/>
-                <a:cs typeface="+mn-lt"/>
-              </a:rPr>
-              <a:t> </a:t>
-            </a:r>
-            <a:r>
-              <a:rPr lang="de-DE" dirty="0" err="1">
-                <a:solidFill>
-                  <a:schemeClr val="bg1"/>
-                </a:solidFill>
-                <a:ea typeface="+mn-lt"/>
-                <a:cs typeface="+mn-lt"/>
-              </a:rPr>
-              <a:t>segurança</a:t>
-            </a:r>
-            <a:r>
-              <a:rPr lang="de-DE" dirty="0">
-                <a:solidFill>
-                  <a:schemeClr val="bg1"/>
-                </a:solidFill>
-                <a:ea typeface="+mn-lt"/>
-                <a:cs typeface="+mn-lt"/>
-              </a:rPr>
-              <a:t> da </a:t>
-            </a:r>
-            <a:r>
-              <a:rPr lang="de-DE" dirty="0" err="1">
-                <a:solidFill>
-                  <a:schemeClr val="bg1"/>
-                </a:solidFill>
-                <a:ea typeface="+mn-lt"/>
-                <a:cs typeface="+mn-lt"/>
-              </a:rPr>
-              <a:t>informação</a:t>
-            </a:r>
-            <a:r>
-              <a:rPr lang="de-DE" dirty="0">
-                <a:solidFill>
-                  <a:schemeClr val="bg1"/>
-                </a:solidFill>
-                <a:ea typeface="+mn-lt"/>
-                <a:cs typeface="+mn-lt"/>
-              </a:rPr>
-              <a:t>, </a:t>
-            </a:r>
-            <a:r>
-              <a:rPr lang="de-DE" dirty="0" err="1">
-                <a:solidFill>
-                  <a:schemeClr val="bg1"/>
-                </a:solidFill>
-                <a:ea typeface="+mn-lt"/>
-                <a:cs typeface="+mn-lt"/>
-              </a:rPr>
-              <a:t>que</a:t>
-            </a:r>
-            <a:r>
-              <a:rPr lang="de-DE" dirty="0">
-                <a:solidFill>
-                  <a:schemeClr val="bg1"/>
-                </a:solidFill>
-                <a:ea typeface="+mn-lt"/>
-                <a:cs typeface="+mn-lt"/>
-              </a:rPr>
-              <a:t> </a:t>
-            </a:r>
-            <a:r>
-              <a:rPr lang="de-DE" dirty="0" err="1">
-                <a:solidFill>
-                  <a:schemeClr val="bg1"/>
-                </a:solidFill>
-                <a:ea typeface="+mn-lt"/>
-                <a:cs typeface="+mn-lt"/>
-              </a:rPr>
-              <a:t>utilizam</a:t>
-            </a:r>
-            <a:r>
-              <a:rPr lang="de-DE" dirty="0">
-                <a:solidFill>
-                  <a:schemeClr val="bg1"/>
-                </a:solidFill>
-                <a:ea typeface="+mn-lt"/>
-                <a:cs typeface="+mn-lt"/>
-              </a:rPr>
-              <a:t> </a:t>
-            </a:r>
-            <a:r>
-              <a:rPr lang="de-DE" dirty="0" err="1">
-                <a:solidFill>
-                  <a:schemeClr val="bg1"/>
-                </a:solidFill>
-                <a:ea typeface="+mn-lt"/>
-                <a:cs typeface="+mn-lt"/>
-              </a:rPr>
-              <a:t>uma</a:t>
-            </a:r>
-            <a:r>
-              <a:rPr lang="de-DE" dirty="0">
-                <a:solidFill>
-                  <a:schemeClr val="bg1"/>
-                </a:solidFill>
-                <a:ea typeface="+mn-lt"/>
-                <a:cs typeface="+mn-lt"/>
-              </a:rPr>
-              <a:t> </a:t>
-            </a:r>
-            <a:r>
-              <a:rPr lang="de-DE" dirty="0" err="1">
-                <a:solidFill>
-                  <a:schemeClr val="bg1"/>
-                </a:solidFill>
-                <a:ea typeface="+mn-lt"/>
-                <a:cs typeface="+mn-lt"/>
-              </a:rPr>
-              <a:t>variedade</a:t>
-            </a:r>
-            <a:r>
-              <a:rPr lang="de-DE" dirty="0">
-                <a:solidFill>
-                  <a:schemeClr val="bg1"/>
-                </a:solidFill>
-                <a:ea typeface="+mn-lt"/>
-                <a:cs typeface="+mn-lt"/>
-              </a:rPr>
-              <a:t> de </a:t>
-            </a:r>
-            <a:r>
-              <a:rPr lang="de-DE" dirty="0" err="1">
-                <a:solidFill>
-                  <a:schemeClr val="bg1"/>
-                </a:solidFill>
-                <a:ea typeface="+mn-lt"/>
-                <a:cs typeface="+mn-lt"/>
-              </a:rPr>
-              <a:t>técnicas</a:t>
-            </a:r>
-            <a:r>
-              <a:rPr lang="de-DE" dirty="0">
-                <a:solidFill>
-                  <a:schemeClr val="bg1"/>
-                </a:solidFill>
-                <a:ea typeface="+mn-lt"/>
-                <a:cs typeface="+mn-lt"/>
-              </a:rPr>
-              <a:t> e </a:t>
-            </a:r>
-            <a:r>
-              <a:rPr lang="de-DE" dirty="0" err="1">
-                <a:solidFill>
-                  <a:schemeClr val="bg1"/>
-                </a:solidFill>
-                <a:ea typeface="+mn-lt"/>
-                <a:cs typeface="+mn-lt"/>
-              </a:rPr>
-              <a:t>ferramentas</a:t>
-            </a:r>
-            <a:r>
-              <a:rPr lang="de-DE" dirty="0">
-                <a:solidFill>
-                  <a:schemeClr val="bg1"/>
-                </a:solidFill>
-                <a:ea typeface="+mn-lt"/>
-                <a:cs typeface="+mn-lt"/>
-              </a:rPr>
-              <a:t> </a:t>
-            </a:r>
-            <a:r>
-              <a:rPr lang="de-DE" dirty="0" err="1">
-                <a:solidFill>
-                  <a:schemeClr val="bg1"/>
-                </a:solidFill>
-                <a:ea typeface="+mn-lt"/>
-                <a:cs typeface="+mn-lt"/>
-              </a:rPr>
-              <a:t>para</a:t>
-            </a:r>
-            <a:r>
-              <a:rPr lang="de-DE" dirty="0">
-                <a:solidFill>
-                  <a:schemeClr val="bg1"/>
-                </a:solidFill>
-                <a:ea typeface="+mn-lt"/>
-                <a:cs typeface="+mn-lt"/>
-              </a:rPr>
-              <a:t> </a:t>
-            </a:r>
-            <a:r>
-              <a:rPr lang="de-DE" dirty="0" err="1">
-                <a:solidFill>
-                  <a:schemeClr val="bg1"/>
-                </a:solidFill>
-                <a:ea typeface="+mn-lt"/>
-                <a:cs typeface="+mn-lt"/>
-              </a:rPr>
-              <a:t>identificar</a:t>
-            </a:r>
-            <a:r>
-              <a:rPr lang="de-DE" dirty="0">
-                <a:solidFill>
-                  <a:schemeClr val="bg1"/>
-                </a:solidFill>
-                <a:ea typeface="+mn-lt"/>
-                <a:cs typeface="+mn-lt"/>
-              </a:rPr>
-              <a:t> </a:t>
-            </a:r>
-            <a:r>
-              <a:rPr lang="de-DE" dirty="0" err="1">
-                <a:solidFill>
-                  <a:schemeClr val="bg1"/>
-                </a:solidFill>
-                <a:ea typeface="+mn-lt"/>
-                <a:cs typeface="+mn-lt"/>
-              </a:rPr>
-              <a:t>vulnerabilidades</a:t>
-            </a:r>
-            <a:r>
-              <a:rPr lang="de-DE" dirty="0">
-                <a:solidFill>
-                  <a:schemeClr val="bg1"/>
-                </a:solidFill>
-                <a:ea typeface="+mn-lt"/>
-                <a:cs typeface="+mn-lt"/>
-              </a:rPr>
-              <a:t>, </a:t>
-            </a:r>
-            <a:r>
-              <a:rPr lang="de-DE" dirty="0" err="1">
-                <a:solidFill>
-                  <a:schemeClr val="bg1"/>
-                </a:solidFill>
-                <a:ea typeface="+mn-lt"/>
-                <a:cs typeface="+mn-lt"/>
-              </a:rPr>
-              <a:t>como</a:t>
-            </a:r>
-            <a:r>
-              <a:rPr lang="de-DE" dirty="0">
-                <a:solidFill>
-                  <a:schemeClr val="bg1"/>
-                </a:solidFill>
-                <a:ea typeface="+mn-lt"/>
-                <a:cs typeface="+mn-lt"/>
-              </a:rPr>
-              <a:t> a </a:t>
-            </a:r>
-            <a:r>
-              <a:rPr lang="de-DE" dirty="0" err="1">
-                <a:solidFill>
-                  <a:schemeClr val="bg1"/>
-                </a:solidFill>
-                <a:ea typeface="+mn-lt"/>
-                <a:cs typeface="+mn-lt"/>
-              </a:rPr>
-              <a:t>análise</a:t>
-            </a:r>
-            <a:r>
-              <a:rPr lang="de-DE" dirty="0">
-                <a:solidFill>
-                  <a:schemeClr val="bg1"/>
-                </a:solidFill>
-                <a:ea typeface="+mn-lt"/>
-                <a:cs typeface="+mn-lt"/>
-              </a:rPr>
-              <a:t> de </a:t>
-            </a:r>
-            <a:r>
-              <a:rPr lang="de-DE" dirty="0" err="1">
-                <a:solidFill>
-                  <a:schemeClr val="bg1"/>
-                </a:solidFill>
-                <a:ea typeface="+mn-lt"/>
-                <a:cs typeface="+mn-lt"/>
-              </a:rPr>
-              <a:t>código-fonte</a:t>
-            </a:r>
-            <a:r>
-              <a:rPr lang="de-DE" dirty="0">
-                <a:solidFill>
-                  <a:schemeClr val="bg1"/>
-                </a:solidFill>
-                <a:ea typeface="+mn-lt"/>
-                <a:cs typeface="+mn-lt"/>
-              </a:rPr>
-              <a:t>, a </a:t>
-            </a:r>
-            <a:r>
-              <a:rPr lang="de-DE" dirty="0" err="1">
-                <a:solidFill>
-                  <a:schemeClr val="bg1"/>
-                </a:solidFill>
-                <a:ea typeface="+mn-lt"/>
-                <a:cs typeface="+mn-lt"/>
-              </a:rPr>
-              <a:t>varredura</a:t>
-            </a:r>
-            <a:r>
-              <a:rPr lang="de-DE" dirty="0">
-                <a:solidFill>
-                  <a:schemeClr val="bg1"/>
-                </a:solidFill>
-                <a:ea typeface="+mn-lt"/>
-                <a:cs typeface="+mn-lt"/>
-              </a:rPr>
-              <a:t> de portas e </a:t>
-            </a:r>
-            <a:r>
-              <a:rPr lang="de-DE" dirty="0" err="1">
-                <a:solidFill>
-                  <a:schemeClr val="bg1"/>
-                </a:solidFill>
-                <a:ea typeface="+mn-lt"/>
-                <a:cs typeface="+mn-lt"/>
-              </a:rPr>
-              <a:t>serviços</a:t>
-            </a:r>
-            <a:r>
-              <a:rPr lang="de-DE" dirty="0">
-                <a:solidFill>
-                  <a:schemeClr val="bg1"/>
-                </a:solidFill>
-                <a:ea typeface="+mn-lt"/>
-                <a:cs typeface="+mn-lt"/>
-              </a:rPr>
-              <a:t>, a </a:t>
-            </a:r>
-            <a:r>
-              <a:rPr lang="de-DE" dirty="0" err="1">
-                <a:solidFill>
-                  <a:schemeClr val="bg1"/>
-                </a:solidFill>
-                <a:ea typeface="+mn-lt"/>
-                <a:cs typeface="+mn-lt"/>
-              </a:rPr>
-              <a:t>simulação</a:t>
-            </a:r>
-            <a:r>
-              <a:rPr lang="de-DE" dirty="0">
-                <a:solidFill>
-                  <a:schemeClr val="bg1"/>
-                </a:solidFill>
-                <a:ea typeface="+mn-lt"/>
-                <a:cs typeface="+mn-lt"/>
-              </a:rPr>
-              <a:t> de </a:t>
-            </a:r>
-            <a:r>
-              <a:rPr lang="de-DE" dirty="0" err="1">
-                <a:solidFill>
-                  <a:schemeClr val="bg1"/>
-                </a:solidFill>
-                <a:ea typeface="+mn-lt"/>
-                <a:cs typeface="+mn-lt"/>
-              </a:rPr>
-              <a:t>ataques</a:t>
-            </a:r>
-            <a:r>
-              <a:rPr lang="de-DE" dirty="0">
-                <a:solidFill>
-                  <a:schemeClr val="bg1"/>
-                </a:solidFill>
-                <a:ea typeface="+mn-lt"/>
-                <a:cs typeface="+mn-lt"/>
-              </a:rPr>
-              <a:t> e o teste de </a:t>
-            </a:r>
-            <a:r>
-              <a:rPr lang="de-DE" dirty="0" err="1">
-                <a:solidFill>
-                  <a:schemeClr val="bg1"/>
-                </a:solidFill>
-                <a:ea typeface="+mn-lt"/>
-                <a:cs typeface="+mn-lt"/>
-              </a:rPr>
-              <a:t>penetração</a:t>
-            </a:r>
-            <a:r>
-              <a:rPr lang="de-DE" dirty="0">
-                <a:solidFill>
-                  <a:schemeClr val="bg1"/>
-                </a:solidFill>
-                <a:ea typeface="+mn-lt"/>
-                <a:cs typeface="+mn-lt"/>
-              </a:rPr>
-              <a:t>. A </a:t>
-            </a:r>
-            <a:r>
-              <a:rPr lang="de-DE" dirty="0" err="1">
-                <a:solidFill>
-                  <a:schemeClr val="bg1"/>
-                </a:solidFill>
-                <a:ea typeface="+mn-lt"/>
-                <a:cs typeface="+mn-lt"/>
-              </a:rPr>
-              <a:t>partir</a:t>
-            </a:r>
-            <a:r>
-              <a:rPr lang="de-DE" dirty="0">
-                <a:solidFill>
-                  <a:schemeClr val="bg1"/>
-                </a:solidFill>
-                <a:ea typeface="+mn-lt"/>
-                <a:cs typeface="+mn-lt"/>
-              </a:rPr>
-              <a:t> da </a:t>
-            </a:r>
-            <a:r>
-              <a:rPr lang="de-DE" dirty="0" err="1">
-                <a:solidFill>
-                  <a:schemeClr val="bg1"/>
-                </a:solidFill>
-                <a:ea typeface="+mn-lt"/>
-                <a:cs typeface="+mn-lt"/>
-              </a:rPr>
-              <a:t>análise</a:t>
-            </a:r>
-            <a:r>
-              <a:rPr lang="de-DE" dirty="0">
-                <a:solidFill>
-                  <a:schemeClr val="bg1"/>
-                </a:solidFill>
-                <a:ea typeface="+mn-lt"/>
-                <a:cs typeface="+mn-lt"/>
-              </a:rPr>
-              <a:t> dos </a:t>
-            </a:r>
-            <a:r>
-              <a:rPr lang="de-DE" dirty="0" err="1">
-                <a:solidFill>
-                  <a:schemeClr val="bg1"/>
-                </a:solidFill>
-                <a:ea typeface="+mn-lt"/>
-                <a:cs typeface="+mn-lt"/>
-              </a:rPr>
-              <a:t>resultados</a:t>
-            </a:r>
-            <a:r>
-              <a:rPr lang="de-DE" dirty="0">
-                <a:solidFill>
-                  <a:schemeClr val="bg1"/>
-                </a:solidFill>
-                <a:ea typeface="+mn-lt"/>
-                <a:cs typeface="+mn-lt"/>
-              </a:rPr>
-              <a:t>, é </a:t>
-            </a:r>
-            <a:r>
-              <a:rPr lang="de-DE" dirty="0" err="1">
-                <a:solidFill>
-                  <a:schemeClr val="bg1"/>
-                </a:solidFill>
-                <a:ea typeface="+mn-lt"/>
-                <a:cs typeface="+mn-lt"/>
-              </a:rPr>
-              <a:t>possível</a:t>
-            </a:r>
-            <a:r>
-              <a:rPr lang="de-DE" dirty="0">
-                <a:solidFill>
-                  <a:schemeClr val="bg1"/>
-                </a:solidFill>
-                <a:ea typeface="+mn-lt"/>
-                <a:cs typeface="+mn-lt"/>
-              </a:rPr>
-              <a:t> </a:t>
-            </a:r>
-            <a:r>
-              <a:rPr lang="de-DE" dirty="0" err="1">
-                <a:solidFill>
-                  <a:schemeClr val="bg1"/>
-                </a:solidFill>
-                <a:ea typeface="+mn-lt"/>
-                <a:cs typeface="+mn-lt"/>
-              </a:rPr>
-              <a:t>desenvolver</a:t>
-            </a:r>
-            <a:r>
-              <a:rPr lang="de-DE" dirty="0">
-                <a:solidFill>
-                  <a:schemeClr val="bg1"/>
-                </a:solidFill>
-                <a:ea typeface="+mn-lt"/>
-                <a:cs typeface="+mn-lt"/>
-              </a:rPr>
-              <a:t> </a:t>
-            </a:r>
-            <a:r>
-              <a:rPr lang="de-DE" dirty="0" err="1">
-                <a:solidFill>
-                  <a:schemeClr val="bg1"/>
-                </a:solidFill>
-                <a:ea typeface="+mn-lt"/>
-                <a:cs typeface="+mn-lt"/>
-              </a:rPr>
-              <a:t>estratégias</a:t>
-            </a:r>
-            <a:r>
-              <a:rPr lang="de-DE" dirty="0">
-                <a:solidFill>
-                  <a:schemeClr val="bg1"/>
-                </a:solidFill>
-                <a:ea typeface="+mn-lt"/>
-                <a:cs typeface="+mn-lt"/>
-              </a:rPr>
-              <a:t> de </a:t>
-            </a:r>
-            <a:r>
-              <a:rPr lang="de-DE" dirty="0" err="1">
-                <a:solidFill>
-                  <a:schemeClr val="bg1"/>
-                </a:solidFill>
-                <a:ea typeface="+mn-lt"/>
-                <a:cs typeface="+mn-lt"/>
-              </a:rPr>
-              <a:t>segurança</a:t>
-            </a:r>
-            <a:r>
-              <a:rPr lang="de-DE" dirty="0">
-                <a:solidFill>
-                  <a:schemeClr val="bg1"/>
-                </a:solidFill>
-                <a:ea typeface="+mn-lt"/>
-                <a:cs typeface="+mn-lt"/>
-              </a:rPr>
-              <a:t> </a:t>
-            </a:r>
-            <a:r>
-              <a:rPr lang="de-DE" dirty="0" err="1">
-                <a:solidFill>
-                  <a:schemeClr val="bg1"/>
-                </a:solidFill>
-                <a:ea typeface="+mn-lt"/>
-                <a:cs typeface="+mn-lt"/>
-              </a:rPr>
-              <a:t>mais</a:t>
-            </a:r>
-            <a:r>
-              <a:rPr lang="de-DE" dirty="0">
-                <a:solidFill>
-                  <a:schemeClr val="bg1"/>
-                </a:solidFill>
-                <a:ea typeface="+mn-lt"/>
-                <a:cs typeface="+mn-lt"/>
-              </a:rPr>
-              <a:t> </a:t>
-            </a:r>
-            <a:r>
-              <a:rPr lang="de-DE" dirty="0" err="1">
-                <a:solidFill>
-                  <a:schemeClr val="bg1"/>
-                </a:solidFill>
-                <a:ea typeface="+mn-lt"/>
-                <a:cs typeface="+mn-lt"/>
-              </a:rPr>
-              <a:t>robustas</a:t>
-            </a:r>
-            <a:r>
-              <a:rPr lang="de-DE" dirty="0">
-                <a:solidFill>
-                  <a:schemeClr val="bg1"/>
-                </a:solidFill>
-                <a:ea typeface="+mn-lt"/>
-                <a:cs typeface="+mn-lt"/>
-              </a:rPr>
-              <a:t> e </a:t>
-            </a:r>
-            <a:r>
-              <a:rPr lang="de-DE" dirty="0" err="1">
-                <a:solidFill>
-                  <a:schemeClr val="bg1"/>
-                </a:solidFill>
-                <a:ea typeface="+mn-lt"/>
-                <a:cs typeface="+mn-lt"/>
-              </a:rPr>
-              <a:t>eficazes</a:t>
-            </a:r>
-            <a:r>
-              <a:rPr lang="de-DE" dirty="0">
-                <a:solidFill>
-                  <a:schemeClr val="bg1"/>
-                </a:solidFill>
-                <a:ea typeface="+mn-lt"/>
-                <a:cs typeface="+mn-lt"/>
-              </a:rPr>
-              <a:t>, </a:t>
-            </a:r>
-            <a:r>
-              <a:rPr lang="de-DE" dirty="0" err="1">
-                <a:solidFill>
-                  <a:schemeClr val="bg1"/>
-                </a:solidFill>
-                <a:ea typeface="+mn-lt"/>
-                <a:cs typeface="+mn-lt"/>
-              </a:rPr>
-              <a:t>corrigindo</a:t>
-            </a:r>
-            <a:r>
-              <a:rPr lang="de-DE" dirty="0">
-                <a:solidFill>
-                  <a:schemeClr val="bg1"/>
-                </a:solidFill>
-                <a:ea typeface="+mn-lt"/>
-                <a:cs typeface="+mn-lt"/>
-              </a:rPr>
-              <a:t> </a:t>
-            </a:r>
-            <a:r>
-              <a:rPr lang="de-DE" dirty="0" err="1">
-                <a:solidFill>
-                  <a:schemeClr val="bg1"/>
-                </a:solidFill>
-                <a:ea typeface="+mn-lt"/>
-                <a:cs typeface="+mn-lt"/>
-              </a:rPr>
-              <a:t>as</a:t>
-            </a:r>
-            <a:r>
-              <a:rPr lang="de-DE" dirty="0">
-                <a:solidFill>
-                  <a:schemeClr val="bg1"/>
-                </a:solidFill>
-                <a:ea typeface="+mn-lt"/>
-                <a:cs typeface="+mn-lt"/>
-              </a:rPr>
-              <a:t> </a:t>
-            </a:r>
-            <a:r>
-              <a:rPr lang="de-DE" dirty="0" err="1">
-                <a:solidFill>
-                  <a:schemeClr val="bg1"/>
-                </a:solidFill>
-                <a:ea typeface="+mn-lt"/>
-                <a:cs typeface="+mn-lt"/>
-              </a:rPr>
-              <a:t>falhas</a:t>
-            </a:r>
-            <a:r>
-              <a:rPr lang="de-DE" dirty="0">
-                <a:solidFill>
-                  <a:schemeClr val="bg1"/>
-                </a:solidFill>
-                <a:ea typeface="+mn-lt"/>
-                <a:cs typeface="+mn-lt"/>
-              </a:rPr>
-              <a:t> e </a:t>
-            </a:r>
-            <a:r>
-              <a:rPr lang="de-DE" dirty="0" err="1">
-                <a:solidFill>
-                  <a:schemeClr val="bg1"/>
-                </a:solidFill>
-                <a:ea typeface="+mn-lt"/>
-                <a:cs typeface="+mn-lt"/>
-              </a:rPr>
-              <a:t>reduzindo</a:t>
-            </a:r>
-            <a:r>
-              <a:rPr lang="de-DE" dirty="0">
-                <a:solidFill>
-                  <a:schemeClr val="bg1"/>
-                </a:solidFill>
-                <a:ea typeface="+mn-lt"/>
-                <a:cs typeface="+mn-lt"/>
-              </a:rPr>
-              <a:t> </a:t>
-            </a:r>
-            <a:r>
-              <a:rPr lang="de-DE" dirty="0" err="1">
-                <a:solidFill>
-                  <a:schemeClr val="bg1"/>
-                </a:solidFill>
-                <a:ea typeface="+mn-lt"/>
-                <a:cs typeface="+mn-lt"/>
-              </a:rPr>
-              <a:t>os</a:t>
-            </a:r>
-            <a:r>
-              <a:rPr lang="de-DE" dirty="0">
-                <a:solidFill>
-                  <a:schemeClr val="bg1"/>
-                </a:solidFill>
-                <a:ea typeface="+mn-lt"/>
-                <a:cs typeface="+mn-lt"/>
-              </a:rPr>
-              <a:t> </a:t>
-            </a:r>
-            <a:r>
-              <a:rPr lang="de-DE" dirty="0" err="1">
-                <a:solidFill>
-                  <a:schemeClr val="bg1"/>
-                </a:solidFill>
-                <a:ea typeface="+mn-lt"/>
-                <a:cs typeface="+mn-lt"/>
-              </a:rPr>
-              <a:t>riscos</a:t>
-            </a:r>
-            <a:r>
-              <a:rPr lang="de-DE" dirty="0">
-                <a:solidFill>
-                  <a:schemeClr val="bg1"/>
-                </a:solidFill>
-                <a:ea typeface="+mn-lt"/>
-                <a:cs typeface="+mn-lt"/>
-              </a:rPr>
-              <a:t> de </a:t>
-            </a:r>
-            <a:r>
-              <a:rPr lang="de-DE" dirty="0" err="1">
-                <a:solidFill>
-                  <a:schemeClr val="bg1"/>
-                </a:solidFill>
-                <a:ea typeface="+mn-lt"/>
-                <a:cs typeface="+mn-lt"/>
-              </a:rPr>
-              <a:t>ataques</a:t>
-            </a:r>
-            <a:r>
-              <a:rPr lang="de-DE" dirty="0">
-                <a:solidFill>
-                  <a:schemeClr val="bg1"/>
-                </a:solidFill>
-                <a:ea typeface="+mn-lt"/>
-                <a:cs typeface="+mn-lt"/>
-              </a:rPr>
-              <a:t> </a:t>
-            </a:r>
-            <a:r>
-              <a:rPr lang="de-DE" dirty="0" err="1">
-                <a:solidFill>
-                  <a:schemeClr val="bg1"/>
-                </a:solidFill>
-                <a:ea typeface="+mn-lt"/>
-                <a:cs typeface="+mn-lt"/>
-              </a:rPr>
-              <a:t>cibernéticos</a:t>
-            </a:r>
-            <a:r>
-              <a:rPr lang="de-DE" dirty="0">
-                <a:solidFill>
-                  <a:schemeClr val="bg1"/>
-                </a:solidFill>
-                <a:ea typeface="+mn-lt"/>
-                <a:cs typeface="+mn-lt"/>
-              </a:rPr>
-              <a:t>.</a:t>
-            </a:r>
-            <a:endParaRPr lang="de-DE" dirty="0">
-              <a:solidFill>
-                <a:schemeClr val="bg1"/>
-              </a:solidFill>
-            </a:endParaRPr>
-          </a:p>
-          <a:p>
+              <a:t>Permitem corrigir falhas e reduzir riscos de ataques cibernéticos.</a:t>
+            </a:r>
             <a:endParaRPr lang="de-DE" dirty="0">
               <a:solidFill>
                 <a:schemeClr val="bg1"/>
@@ -9612,92 +8104,61 @@
           <a:lstStyle/>
           <a:p>
             <a:r>
-              <a:rPr lang="pt-BR">
+              <a:rPr lang="pt-BR" sz="2800" dirty="0">
                 <a:solidFill>
                   <a:schemeClr val="bg1"/>
                 </a:solidFill>
-                <a:ea typeface="+mn-lt"/>
-                <a:cs typeface="+mn-lt"/>
               </a:rPr>
-              <a:t>Existem diferentes tipos de testes de segurança, cada um com uma finalidade específica e voltado para diferentes áreas de segurança. A seguir, vamos apresentar os principais tipos de testes de segurança.</a:t>
-            </a:r>
-            <a:endParaRPr lang="pt-BR" dirty="0">
-              <a:solidFill>
-                <a:schemeClr val="bg1"/>
-              </a:solidFill>
-              <a:ea typeface="Calibri"/>
-              <a:cs typeface="Calibri"/>
-            </a:endParaRPr>
-          </a:p>
-          <a:p>
-            <a:endParaRPr lang="pt-BR" dirty="0">
-              <a:solidFill>
-                <a:schemeClr val="bg1"/>
-              </a:solidFill>
-              <a:ea typeface="Calibri"/>
-              <a:cs typeface="Calibri"/>
-            </a:endParaRPr>
-          </a:p>
-          <a:p>
-            <a:r>
-              <a:rPr lang="pt-BR">
+              <a:t>O teste de penetração simula ataques reais ao sistema ou aplicativo.</a:t>
+            </a:r>
+            <a:br>
+              <a:rPr lang="pt-BR" sz="2800" dirty="0">
                 <a:solidFill>
                   <a:schemeClr val="bg1"/>
                 </a:solidFill>
-                <a:ea typeface="+mn-lt"/>
-                <a:cs typeface="+mn-lt"/>
               </a:rPr>
-              <a:t>Teste de Penetração (Penetration Testing)</a:t>
-            </a:r>
-            <a:endParaRPr lang="pt-BR" dirty="0">
-              <a:solidFill>
-                <a:schemeClr val="bg1"/>
-              </a:solidFill>
-              <a:ea typeface="Calibri"/>
-              <a:cs typeface="Calibri"/>
-            </a:endParaRPr>
-          </a:p>
-          <a:p>
-            <a:r>
-              <a:rPr lang="pt-BR" dirty="0">
+            </a:br>
+            <a:r>
+              <a:rPr lang="pt-BR" sz="2800" dirty="0">
                 <a:solidFill>
                   <a:schemeClr val="bg1"/>
                 </a:solidFill>
-                <a:ea typeface="+mn-lt"/>
-                <a:cs typeface="+mn-lt"/>
               </a:rPr>
-              <a:t>O teste de penetração, também conhecido como "</a:t>
-            </a:r>
-            <a:r>
-              <a:rPr lang="pt-BR" err="1">
+              <a:t>Seu objetivo é identificar vulnerabilidades e pontos de falha exploráveis.</a:t>
+            </a:r>
+            <a:br>
+              <a:rPr lang="pt-BR" sz="2800" dirty="0">
                 <a:solidFill>
                   <a:schemeClr val="bg1"/>
                 </a:solidFill>
-                <a:ea typeface="+mn-lt"/>
-                <a:cs typeface="+mn-lt"/>
               </a:rPr>
-              <a:t>pentest</a:t>
-            </a:r>
-            <a:r>
-              <a:rPr lang="pt-BR" dirty="0">
+            </a:br>
+            <a:r>
+              <a:rPr lang="pt-BR" sz="2800" dirty="0">
                 <a:solidFill>
                   <a:schemeClr val="bg1"/>
                 </a:solidFill>
-                <a:ea typeface="+mn-lt"/>
-                <a:cs typeface="+mn-lt"/>
               </a:rPr>
-              <a:t>", é um teste que simula um ataque real ao sistema ou aplicativo, visando identificar vulnerabilidades e pontos de falha que possam ser explorados por invasores. Esse teste é realizado por profissionais especializados em segurança da informação e pode ser realizado em diferentes níveis de complexidade.</a:t>
-            </a:r>
-            <a:endParaRPr lang="pt-BR" dirty="0">
+              <a:t>É conduzido por profissionais especializados em segurança da informação.</a:t>
+            </a:r>
+            <a:br>
+              <a:rPr lang="pt-BR" sz="2800" dirty="0">
+                <a:solidFill>
+                  <a:schemeClr val="bg1"/>
+                </a:solidFill>
+              </a:rPr>
+            </a:br>
+            <a:r>
+              <a:rPr lang="pt-BR" sz="2800" dirty="0">
+                <a:solidFill>
+                  <a:schemeClr val="bg1"/>
+                </a:solidFill>
+              </a:rPr>
+              <a:t>Pode ser realizado com diferentes níveis de complexidade.</a:t>
+            </a:r>
+            <a:endParaRPr lang="de-DE" sz="2800" dirty="0">
               <a:solidFill>
                 <a:schemeClr val="bg1"/>
-              </a:solidFill>
-            </a:endParaRPr>
-          </a:p>
-          <a:p>
-            <a:endParaRPr lang="de-DE" sz="1600" dirty="0">
-              <a:solidFill>
-                <a:srgbClr val="FFFFFF"/>
               </a:solidFill>
               <a:ea typeface="Calibri"/>
               <a:cs typeface="Calibri"/>
